--- a/trunk/Demo Presentation.pptx
+++ b/trunk/Demo Presentation.pptx
@@ -294,7 +294,7 @@
             <a:fld id="{AEAE82E4-79E1-40BF-B061-F9C2F6463963}" type="datetimeFigureOut">
               <a:rPr lang="en-US" smtClean="0"/>
               <a:pPr/>
-              <a:t>12/8/2009</a:t>
+              <a:t>12/14/2009</a:t>
             </a:fld>
             <a:endParaRPr lang="en-US"/>
           </a:p>
@@ -461,7 +461,7 @@
             <a:fld id="{AEAE82E4-79E1-40BF-B061-F9C2F6463963}" type="datetimeFigureOut">
               <a:rPr lang="en-US" smtClean="0"/>
               <a:pPr/>
-              <a:t>12/8/2009</a:t>
+              <a:t>12/14/2009</a:t>
             </a:fld>
             <a:endParaRPr lang="en-US"/>
           </a:p>
@@ -638,7 +638,7 @@
             <a:fld id="{AEAE82E4-79E1-40BF-B061-F9C2F6463963}" type="datetimeFigureOut">
               <a:rPr lang="en-US" smtClean="0"/>
               <a:pPr/>
-              <a:t>12/8/2009</a:t>
+              <a:t>12/14/2009</a:t>
             </a:fld>
             <a:endParaRPr lang="en-US"/>
           </a:p>
@@ -805,7 +805,7 @@
             <a:fld id="{AEAE82E4-79E1-40BF-B061-F9C2F6463963}" type="datetimeFigureOut">
               <a:rPr lang="en-US" smtClean="0"/>
               <a:pPr/>
-              <a:t>12/8/2009</a:t>
+              <a:t>12/14/2009</a:t>
             </a:fld>
             <a:endParaRPr lang="en-US"/>
           </a:p>
@@ -1048,7 +1048,7 @@
             <a:fld id="{AEAE82E4-79E1-40BF-B061-F9C2F6463963}" type="datetimeFigureOut">
               <a:rPr lang="en-US" smtClean="0"/>
               <a:pPr/>
-              <a:t>12/8/2009</a:t>
+              <a:t>12/14/2009</a:t>
             </a:fld>
             <a:endParaRPr lang="en-US"/>
           </a:p>
@@ -1333,7 +1333,7 @@
             <a:fld id="{AEAE82E4-79E1-40BF-B061-F9C2F6463963}" type="datetimeFigureOut">
               <a:rPr lang="en-US" smtClean="0"/>
               <a:pPr/>
-              <a:t>12/8/2009</a:t>
+              <a:t>12/14/2009</a:t>
             </a:fld>
             <a:endParaRPr lang="en-US"/>
           </a:p>
@@ -1752,7 +1752,7 @@
             <a:fld id="{AEAE82E4-79E1-40BF-B061-F9C2F6463963}" type="datetimeFigureOut">
               <a:rPr lang="en-US" smtClean="0"/>
               <a:pPr/>
-              <a:t>12/8/2009</a:t>
+              <a:t>12/14/2009</a:t>
             </a:fld>
             <a:endParaRPr lang="en-US"/>
           </a:p>
@@ -1867,7 +1867,7 @@
             <a:fld id="{AEAE82E4-79E1-40BF-B061-F9C2F6463963}" type="datetimeFigureOut">
               <a:rPr lang="en-US" smtClean="0"/>
               <a:pPr/>
-              <a:t>12/8/2009</a:t>
+              <a:t>12/14/2009</a:t>
             </a:fld>
             <a:endParaRPr lang="en-US"/>
           </a:p>
@@ -1959,7 +1959,7 @@
             <a:fld id="{AEAE82E4-79E1-40BF-B061-F9C2F6463963}" type="datetimeFigureOut">
               <a:rPr lang="en-US" smtClean="0"/>
               <a:pPr/>
-              <a:t>12/8/2009</a:t>
+              <a:t>12/14/2009</a:t>
             </a:fld>
             <a:endParaRPr lang="en-US"/>
           </a:p>
@@ -2233,7 +2233,7 @@
             <a:fld id="{AEAE82E4-79E1-40BF-B061-F9C2F6463963}" type="datetimeFigureOut">
               <a:rPr lang="en-US" smtClean="0"/>
               <a:pPr/>
-              <a:t>12/8/2009</a:t>
+              <a:t>12/14/2009</a:t>
             </a:fld>
             <a:endParaRPr lang="en-US"/>
           </a:p>
@@ -2483,7 +2483,7 @@
             <a:fld id="{AEAE82E4-79E1-40BF-B061-F9C2F6463963}" type="datetimeFigureOut">
               <a:rPr lang="en-US" smtClean="0"/>
               <a:pPr/>
-              <a:t>12/8/2009</a:t>
+              <a:t>12/14/2009</a:t>
             </a:fld>
             <a:endParaRPr lang="en-US"/>
           </a:p>
@@ -2693,7 +2693,7 @@
             <a:fld id="{AEAE82E4-79E1-40BF-B061-F9C2F6463963}" type="datetimeFigureOut">
               <a:rPr lang="en-US" smtClean="0"/>
               <a:pPr/>
-              <a:t>12/8/2009</a:t>
+              <a:t>12/14/2009</a:t>
             </a:fld>
             <a:endParaRPr lang="en-US"/>
           </a:p>
@@ -3086,11 +3086,7 @@
           <a:p>
             <a:r>
               <a:rPr lang="en-US" dirty="0" smtClean="0"/>
-              <a:t>Fall 2009 Research Proje</a:t>
-            </a:r>
-            <a:r>
-              <a:rPr lang="en-US" dirty="0" smtClean="0"/>
-              <a:t>ct</a:t>
+              <a:t>Fall 2009 Research Project</a:t>
             </a:r>
             <a:br>
               <a:rPr lang="en-US" dirty="0" smtClean="0"/>
@@ -3137,11 +3133,7 @@
           <a:p>
             <a:r>
               <a:rPr lang="en-US" dirty="0" smtClean="0"/>
-              <a:t>December 08, </a:t>
-            </a:r>
-            <a:r>
-              <a:rPr lang="en-US" dirty="0" smtClean="0"/>
-              <a:t>2009</a:t>
+              <a:t>December 08, 2009</a:t>
             </a:r>
           </a:p>
           <a:p>
@@ -3263,7 +3255,6 @@
               <a:rPr lang="en-US" dirty="0" smtClean="0"/>
               <a:t>Get the global variables and constants</a:t>
             </a:r>
-            <a:endParaRPr lang="en-US" dirty="0" smtClean="0"/>
           </a:p>
           <a:p>
             <a:pPr>
@@ -3274,7 +3265,6 @@
               <a:rPr lang="en-US" dirty="0" smtClean="0"/>
               <a:t>Get the parameters</a:t>
             </a:r>
-            <a:endParaRPr lang="en-US" dirty="0" smtClean="0"/>
           </a:p>
           <a:p>
             <a:pPr>
@@ -3285,7 +3275,6 @@
               <a:rPr lang="en-US" dirty="0" smtClean="0"/>
               <a:t>Check whether the function is depending on the values of these variables.</a:t>
             </a:r>
-            <a:endParaRPr lang="en-US" dirty="0" smtClean="0"/>
           </a:p>
           <a:p>
             <a:pPr>
@@ -3296,7 +3285,6 @@
               <a:rPr lang="en-US" dirty="0" smtClean="0"/>
               <a:t>Handle recursion, and multiple declarations.</a:t>
             </a:r>
-            <a:endParaRPr lang="en-US" dirty="0" smtClean="0"/>
           </a:p>
           <a:p>
             <a:pPr>
@@ -3305,13 +3293,8 @@
             </a:pPr>
             <a:r>
               <a:rPr lang="en-US" dirty="0" smtClean="0"/>
-              <a:t>Integrate </a:t>
-            </a:r>
-            <a:r>
-              <a:rPr lang="en-US" dirty="0" smtClean="0"/>
-              <a:t>this with the main project to complete the system.</a:t>
-            </a:r>
-            <a:endParaRPr lang="en-US" dirty="0" smtClean="0"/>
+              <a:t>Integrate this with the main project to complete the system.</a:t>
+            </a:r>
           </a:p>
           <a:p>
             <a:endParaRPr lang="en-US" dirty="0" smtClean="0"/>
@@ -3392,11 +3375,7 @@
           <a:p>
             <a:r>
               <a:rPr lang="en-US" dirty="0" smtClean="0"/>
-              <a:t>To avoid unnecessary work, first we needed to research whether there has been any work done on this particular functionality.</a:t>
-            </a:r>
-            <a:r>
-              <a:rPr lang="en-US" dirty="0" smtClean="0"/>
-              <a:t> </a:t>
+              <a:t>To avoid unnecessary work, first we needed to research whether there has been any work done on this particular functionality. </a:t>
             </a:r>
           </a:p>
           <a:p>
@@ -3587,7 +3566,11 @@
             </a:r>
             <a:r>
               <a:rPr lang="en-US" dirty="0" smtClean="0"/>
-              <a:t> machine, because of the stack.</a:t>
+              <a:t> machine, because of the stack</a:t>
+            </a:r>
+            <a:r>
+              <a:rPr lang="en-US" dirty="0" smtClean="0"/>
+              <a:t>.(Fixed)</a:t>
             </a:r>
             <a:endParaRPr lang="en-US" dirty="0" smtClean="0"/>
           </a:p>
@@ -3665,13 +3648,8 @@
           <a:p>
             <a:r>
               <a:rPr lang="en-US" dirty="0" smtClean="0"/>
-              <a:t>Afte</a:t>
-            </a:r>
-            <a:r>
-              <a:rPr lang="en-US" dirty="0" smtClean="0"/>
-              <a:t>r both the parts are complete, we will need to integrate them both to complete the system.</a:t>
-            </a:r>
-            <a:endParaRPr lang="en-US" dirty="0" smtClean="0"/>
+              <a:t>After both the parts are complete, we will need to integrate them both to complete the system.</a:t>
+            </a:r>
           </a:p>
         </p:txBody>
       </p:sp>
